--- a/Documentation/Presentation template new.pptx
+++ b/Documentation/Presentation template new.pptx
@@ -5,7 +5,7 @@
     <p:sldMasterId id="2147483648" r:id="rId1"/>
   </p:sldMasterIdLst>
   <p:notesMasterIdLst>
-    <p:notesMasterId r:id="rId20"/>
+    <p:notesMasterId r:id="rId18"/>
   </p:notesMasterIdLst>
   <p:sldIdLst>
     <p:sldId id="260" r:id="rId2"/>
@@ -18,14 +18,12 @@
     <p:sldId id="309" r:id="rId9"/>
     <p:sldId id="310" r:id="rId10"/>
     <p:sldId id="315" r:id="rId11"/>
-    <p:sldId id="311" r:id="rId12"/>
-    <p:sldId id="312" r:id="rId13"/>
-    <p:sldId id="313" r:id="rId14"/>
-    <p:sldId id="314" r:id="rId15"/>
-    <p:sldId id="301" r:id="rId16"/>
-    <p:sldId id="303" r:id="rId17"/>
-    <p:sldId id="302" r:id="rId18"/>
-    <p:sldId id="288" r:id="rId19"/>
+    <p:sldId id="316" r:id="rId12"/>
+    <p:sldId id="311" r:id="rId13"/>
+    <p:sldId id="312" r:id="rId14"/>
+    <p:sldId id="313" r:id="rId15"/>
+    <p:sldId id="314" r:id="rId16"/>
+    <p:sldId id="288" r:id="rId17"/>
   </p:sldIdLst>
   <p:sldSz cx="9144000" cy="6858000" type="screen4x3"/>
   <p:notesSz cx="6669088" cy="9926638"/>
@@ -646,7 +644,7 @@
             <a:fld id="{2CD948B4-9A84-4BDD-8558-24D1CF0EFAAD}" type="slidenum">
               <a:rPr lang="uk-UA" smtClean="0"/>
               <a:pPr/>
-              <a:t>18</a:t>
+              <a:t>16</a:t>
             </a:fld>
             <a:endParaRPr lang="uk-UA" smtClean="0"/>
           </a:p>
@@ -8342,6 +8340,372 @@
           <a:lstStyle/>
           <a:p>
             <a:r>
+              <a:rPr lang="en-US" dirty="0" smtClean="0"/>
+              <a:t>Inversion of control</a:t>
+            </a:r>
+            <a:endParaRPr lang="en-US" dirty="0"/>
+          </a:p>
+        </p:txBody>
+      </p:sp>
+      <p:sp>
+        <p:nvSpPr>
+          <p:cNvPr id="3" name="Content Placeholder 2"/>
+          <p:cNvSpPr>
+            <a:spLocks noGrp="1"/>
+          </p:cNvSpPr>
+          <p:nvPr>
+            <p:ph idx="1"/>
+          </p:nvPr>
+        </p:nvSpPr>
+        <p:spPr/>
+        <p:txBody>
+          <a:bodyPr/>
+          <a:lstStyle/>
+          <a:p>
+            <a:pPr marL="0" indent="0">
+              <a:buNone/>
+            </a:pPr>
+            <a:r>
+              <a:rPr lang="en-US" sz="2000" dirty="0" smtClean="0"/>
+              <a:t>Direct</a:t>
+            </a:r>
+            <a:r>
+              <a:rPr lang="en-US" dirty="0" smtClean="0"/>
+              <a:t> </a:t>
+            </a:r>
+            <a:r>
+              <a:rPr lang="en-US" sz="2000" dirty="0" smtClean="0"/>
+              <a:t>control</a:t>
+            </a:r>
+            <a:r>
+              <a:rPr lang="en-US" dirty="0" smtClean="0"/>
+              <a:t> </a:t>
+            </a:r>
+            <a:r>
+              <a:rPr lang="en-US" sz="2000" dirty="0" smtClean="0"/>
+              <a:t>– high coupling between components</a:t>
+            </a:r>
+            <a:endParaRPr lang="en-US" dirty="0" smtClean="0"/>
+          </a:p>
+          <a:p>
+            <a:pPr marL="0" indent="0">
+              <a:buNone/>
+            </a:pPr>
+            <a:endParaRPr lang="en-US" dirty="0"/>
+          </a:p>
+          <a:p>
+            <a:pPr marL="0" indent="0">
+              <a:buNone/>
+            </a:pPr>
+            <a:endParaRPr lang="en-US" dirty="0" smtClean="0"/>
+          </a:p>
+          <a:p>
+            <a:pPr marL="0" indent="0">
+              <a:buNone/>
+            </a:pPr>
+            <a:endParaRPr lang="en-US" dirty="0"/>
+          </a:p>
+          <a:p>
+            <a:pPr marL="0" indent="0">
+              <a:buNone/>
+            </a:pPr>
+            <a:r>
+              <a:rPr lang="en-US" sz="2000" dirty="0" smtClean="0"/>
+              <a:t>Inversion of control – low coupling through contracts</a:t>
+            </a:r>
+            <a:endParaRPr lang="en-US" sz="2000" dirty="0"/>
+          </a:p>
+        </p:txBody>
+      </p:sp>
+      <p:pic>
+        <p:nvPicPr>
+          <p:cNvPr id="7170" name="Picture 2"/>
+          <p:cNvPicPr>
+            <a:picLocks noChangeAspect="1" noChangeArrowheads="1"/>
+          </p:cNvPicPr>
+          <p:nvPr/>
+        </p:nvPicPr>
+        <p:blipFill>
+          <a:blip r:embed="rId2">
+            <a:extLst>
+              <a:ext uri="{28A0092B-C50C-407E-A947-70E740481C1C}">
+                <a14:useLocalDpi xmlns:a14="http://schemas.microsoft.com/office/drawing/2010/main" val="0"/>
+              </a:ext>
+            </a:extLst>
+          </a:blip>
+          <a:srcRect/>
+          <a:stretch>
+            <a:fillRect/>
+          </a:stretch>
+        </p:blipFill>
+        <p:spPr bwMode="auto">
+          <a:xfrm>
+            <a:off x="1295400" y="2362200"/>
+            <a:ext cx="5257800" cy="685800"/>
+          </a:xfrm>
+          <a:prstGeom prst="rect">
+            <a:avLst/>
+          </a:prstGeom>
+          <a:noFill/>
+          <a:ln>
+            <a:noFill/>
+          </a:ln>
+          <a:effectLst/>
+          <a:extLst>
+            <a:ext uri="{909E8E84-426E-40DD-AFC4-6F175D3DCCD1}">
+              <a14:hiddenFill xmlns:a14="http://schemas.microsoft.com/office/drawing/2010/main">
+                <a:solidFill>
+                  <a:schemeClr val="accent1"/>
+                </a:solidFill>
+              </a14:hiddenFill>
+            </a:ext>
+            <a:ext uri="{91240B29-F687-4F45-9708-019B960494DF}">
+              <a14:hiddenLine xmlns:a14="http://schemas.microsoft.com/office/drawing/2010/main" w="9525">
+                <a:solidFill>
+                  <a:schemeClr val="tx1"/>
+                </a:solidFill>
+                <a:miter lim="800000"/>
+                <a:headEnd/>
+                <a:tailEnd/>
+              </a14:hiddenLine>
+            </a:ext>
+            <a:ext uri="{AF507438-7753-43E0-B8FC-AC1667EBCBE1}">
+              <a14:hiddenEffects xmlns:a14="http://schemas.microsoft.com/office/drawing/2010/main">
+                <a:effectLst>
+                  <a:outerShdw dist="35921" dir="2700000" algn="ctr" rotWithShape="0">
+                    <a:schemeClr val="bg2"/>
+                  </a:outerShdw>
+                </a:effectLst>
+              </a14:hiddenEffects>
+            </a:ext>
+          </a:extLst>
+        </p:spPr>
+      </p:pic>
+      <p:pic>
+        <p:nvPicPr>
+          <p:cNvPr id="7171" name="Picture 3"/>
+          <p:cNvPicPr>
+            <a:picLocks noChangeAspect="1" noChangeArrowheads="1"/>
+          </p:cNvPicPr>
+          <p:nvPr/>
+        </p:nvPicPr>
+        <p:blipFill>
+          <a:blip r:embed="rId3">
+            <a:extLst>
+              <a:ext uri="{28A0092B-C50C-407E-A947-70E740481C1C}">
+                <a14:useLocalDpi xmlns:a14="http://schemas.microsoft.com/office/drawing/2010/main" val="0"/>
+              </a:ext>
+            </a:extLst>
+          </a:blip>
+          <a:srcRect/>
+          <a:stretch>
+            <a:fillRect/>
+          </a:stretch>
+        </p:blipFill>
+        <p:spPr bwMode="auto">
+          <a:xfrm>
+            <a:off x="1417108" y="3990975"/>
+            <a:ext cx="5136092" cy="1752600"/>
+          </a:xfrm>
+          <a:prstGeom prst="rect">
+            <a:avLst/>
+          </a:prstGeom>
+          <a:noFill/>
+          <a:ln>
+            <a:noFill/>
+          </a:ln>
+          <a:effectLst/>
+          <a:extLst>
+            <a:ext uri="{909E8E84-426E-40DD-AFC4-6F175D3DCCD1}">
+              <a14:hiddenFill xmlns:a14="http://schemas.microsoft.com/office/drawing/2010/main">
+                <a:solidFill>
+                  <a:schemeClr val="accent1"/>
+                </a:solidFill>
+              </a14:hiddenFill>
+            </a:ext>
+            <a:ext uri="{91240B29-F687-4F45-9708-019B960494DF}">
+              <a14:hiddenLine xmlns:a14="http://schemas.microsoft.com/office/drawing/2010/main" w="9525">
+                <a:solidFill>
+                  <a:schemeClr val="tx1"/>
+                </a:solidFill>
+                <a:miter lim="800000"/>
+                <a:headEnd/>
+                <a:tailEnd/>
+              </a14:hiddenLine>
+            </a:ext>
+            <a:ext uri="{AF507438-7753-43E0-B8FC-AC1667EBCBE1}">
+              <a14:hiddenEffects xmlns:a14="http://schemas.microsoft.com/office/drawing/2010/main">
+                <a:effectLst>
+                  <a:outerShdw dist="35921" dir="2700000" algn="ctr" rotWithShape="0">
+                    <a:schemeClr val="bg2"/>
+                  </a:outerShdw>
+                </a:effectLst>
+              </a14:hiddenEffects>
+            </a:ext>
+          </a:extLst>
+        </p:spPr>
+      </p:pic>
+      <p:sp>
+        <p:nvSpPr>
+          <p:cNvPr id="7" name="Line Callout 2 6"/>
+          <p:cNvSpPr/>
+          <p:nvPr/>
+        </p:nvSpPr>
+        <p:spPr>
+          <a:xfrm flipH="1">
+            <a:off x="381000" y="5376862"/>
+            <a:ext cx="2698456" cy="733425"/>
+          </a:xfrm>
+          <a:prstGeom prst="borderCallout2">
+            <a:avLst>
+              <a:gd name="adj1" fmla="val -2996"/>
+              <a:gd name="adj2" fmla="val 47224"/>
+              <a:gd name="adj3" fmla="val -40689"/>
+              <a:gd name="adj4" fmla="val 22735"/>
+              <a:gd name="adj5" fmla="val -56618"/>
+              <a:gd name="adj6" fmla="val 12907"/>
+            </a:avLst>
+          </a:prstGeom>
+          <a:ln>
+            <a:solidFill>
+              <a:schemeClr val="tx1"/>
+            </a:solidFill>
+          </a:ln>
+        </p:spPr>
+        <p:style>
+          <a:lnRef idx="2">
+            <a:schemeClr val="accent6"/>
+          </a:lnRef>
+          <a:fillRef idx="1">
+            <a:schemeClr val="lt1"/>
+          </a:fillRef>
+          <a:effectRef idx="0">
+            <a:schemeClr val="accent6"/>
+          </a:effectRef>
+          <a:fontRef idx="minor">
+            <a:schemeClr val="dk1"/>
+          </a:fontRef>
+        </p:style>
+        <p:txBody>
+          <a:bodyPr rtlCol="0" anchor="ctr"/>
+          <a:lstStyle/>
+          <a:p>
+            <a:pPr algn="ctr"/>
+            <a:r>
+              <a:rPr lang="en-US" dirty="0"/>
+              <a:t>Resolving of contract</a:t>
+            </a:r>
+          </a:p>
+          <a:p>
+            <a:pPr algn="ctr"/>
+            <a:endParaRPr lang="en-US" dirty="0"/>
+          </a:p>
+        </p:txBody>
+      </p:sp>
+      <p:sp>
+        <p:nvSpPr>
+          <p:cNvPr id="10" name="Line Callout 2 9"/>
+          <p:cNvSpPr/>
+          <p:nvPr/>
+        </p:nvSpPr>
+        <p:spPr>
+          <a:xfrm flipH="1">
+            <a:off x="5791200" y="5331119"/>
+            <a:ext cx="2698456" cy="733425"/>
+          </a:xfrm>
+          <a:prstGeom prst="borderCallout2">
+            <a:avLst>
+              <a:gd name="adj1" fmla="val -2996"/>
+              <a:gd name="adj2" fmla="val 47224"/>
+              <a:gd name="adj3" fmla="val -37790"/>
+              <a:gd name="adj4" fmla="val 78686"/>
+              <a:gd name="adj5" fmla="val -56618"/>
+              <a:gd name="adj6" fmla="val 98016"/>
+            </a:avLst>
+          </a:prstGeom>
+          <a:ln>
+            <a:solidFill>
+              <a:schemeClr val="tx1"/>
+            </a:solidFill>
+          </a:ln>
+        </p:spPr>
+        <p:style>
+          <a:lnRef idx="2">
+            <a:schemeClr val="accent6"/>
+          </a:lnRef>
+          <a:fillRef idx="1">
+            <a:schemeClr val="lt1"/>
+          </a:fillRef>
+          <a:effectRef idx="0">
+            <a:schemeClr val="accent6"/>
+          </a:effectRef>
+          <a:fontRef idx="minor">
+            <a:schemeClr val="dk1"/>
+          </a:fontRef>
+        </p:style>
+        <p:txBody>
+          <a:bodyPr rtlCol="0" anchor="ctr"/>
+          <a:lstStyle/>
+          <a:p>
+            <a:pPr algn="ctr"/>
+            <a:r>
+              <a:rPr lang="en-US" dirty="0" smtClean="0"/>
+              <a:t>Dependency injection</a:t>
+            </a:r>
+            <a:endParaRPr lang="en-US" dirty="0"/>
+          </a:p>
+          <a:p>
+            <a:pPr algn="ctr"/>
+            <a:endParaRPr lang="en-US" dirty="0"/>
+          </a:p>
+        </p:txBody>
+      </p:sp>
+    </p:spTree>
+    <p:extLst>
+      <p:ext uri="{BB962C8B-B14F-4D97-AF65-F5344CB8AC3E}">
+        <p14:creationId xmlns:p14="http://schemas.microsoft.com/office/powerpoint/2010/main" val="3687429993"/>
+      </p:ext>
+    </p:extLst>
+  </p:cSld>
+  <p:clrMapOvr>
+    <a:masterClrMapping/>
+  </p:clrMapOvr>
+</p:sld>
+</file>
+
+<file path=ppt/slides/slide12.xml><?xml version="1.0" encoding="utf-8"?>
+<p:sld xmlns:a="http://schemas.openxmlformats.org/drawingml/2006/main" xmlns:r="http://schemas.openxmlformats.org/officeDocument/2006/relationships" xmlns:p="http://schemas.openxmlformats.org/presentationml/2006/main">
+  <p:cSld>
+    <p:spTree>
+      <p:nvGrpSpPr>
+        <p:cNvPr id="1" name=""/>
+        <p:cNvGrpSpPr/>
+        <p:nvPr/>
+      </p:nvGrpSpPr>
+      <p:grpSpPr>
+        <a:xfrm>
+          <a:off x="0" y="0"/>
+          <a:ext cx="0" cy="0"/>
+          <a:chOff x="0" y="0"/>
+          <a:chExt cx="0" cy="0"/>
+        </a:xfrm>
+      </p:grpSpPr>
+      <p:sp>
+        <p:nvSpPr>
+          <p:cNvPr id="2" name="Title 1"/>
+          <p:cNvSpPr>
+            <a:spLocks noGrp="1"/>
+          </p:cNvSpPr>
+          <p:nvPr>
+            <p:ph type="title"/>
+          </p:nvPr>
+        </p:nvSpPr>
+        <p:spPr/>
+        <p:txBody>
+          <a:bodyPr/>
+          <a:lstStyle/>
+          <a:p>
+            <a:r>
               <a:rPr lang="en-US" dirty="0"/>
               <a:t>Database model</a:t>
             </a:r>
@@ -8458,7 +8822,7 @@
 </p:sld>
 </file>
 
-<file path=ppt/slides/slide12.xml><?xml version="1.0" encoding="utf-8"?>
+<file path=ppt/slides/slide13.xml><?xml version="1.0" encoding="utf-8"?>
 <p:sld xmlns:a="http://schemas.openxmlformats.org/drawingml/2006/main" xmlns:r="http://schemas.openxmlformats.org/officeDocument/2006/relationships" xmlns:p="http://schemas.openxmlformats.org/presentationml/2006/main">
   <p:cSld>
     <p:spTree>
@@ -8771,7 +9135,7 @@
 </p:sld>
 </file>
 
-<file path=ppt/slides/slide13.xml><?xml version="1.0" encoding="utf-8"?>
+<file path=ppt/slides/slide14.xml><?xml version="1.0" encoding="utf-8"?>
 <p:sld xmlns:a="http://schemas.openxmlformats.org/drawingml/2006/main" xmlns:r="http://schemas.openxmlformats.org/officeDocument/2006/relationships" xmlns:p="http://schemas.openxmlformats.org/presentationml/2006/main">
   <p:cSld>
     <p:spTree>
@@ -8927,116 +9291,6 @@
 </p:sld>
 </file>
 
-<file path=ppt/slides/slide14.xml><?xml version="1.0" encoding="utf-8"?>
-<p:sld xmlns:a="http://schemas.openxmlformats.org/drawingml/2006/main" xmlns:r="http://schemas.openxmlformats.org/officeDocument/2006/relationships" xmlns:p="http://schemas.openxmlformats.org/presentationml/2006/main">
-  <p:cSld>
-    <p:spTree>
-      <p:nvGrpSpPr>
-        <p:cNvPr id="1" name=""/>
-        <p:cNvGrpSpPr/>
-        <p:nvPr/>
-      </p:nvGrpSpPr>
-      <p:grpSpPr>
-        <a:xfrm>
-          <a:off x="0" y="0"/>
-          <a:ext cx="0" cy="0"/>
-          <a:chOff x="0" y="0"/>
-          <a:chExt cx="0" cy="0"/>
-        </a:xfrm>
-      </p:grpSpPr>
-      <p:sp>
-        <p:nvSpPr>
-          <p:cNvPr id="2" name="Title 1"/>
-          <p:cNvSpPr>
-            <a:spLocks noGrp="1"/>
-          </p:cNvSpPr>
-          <p:nvPr>
-            <p:ph type="title"/>
-          </p:nvPr>
-        </p:nvSpPr>
-        <p:spPr/>
-        <p:txBody>
-          <a:bodyPr/>
-          <a:lstStyle/>
-          <a:p>
-            <a:r>
-              <a:rPr lang="en-US" dirty="0"/>
-              <a:t>Summary</a:t>
-            </a:r>
-            <a:endParaRPr lang="en-US" dirty="0"/>
-          </a:p>
-        </p:txBody>
-      </p:sp>
-      <p:sp>
-        <p:nvSpPr>
-          <p:cNvPr id="4" name="Content Placeholder 2"/>
-          <p:cNvSpPr>
-            <a:spLocks noGrp="1"/>
-          </p:cNvSpPr>
-          <p:nvPr>
-            <p:ph idx="1"/>
-          </p:nvPr>
-        </p:nvSpPr>
-        <p:spPr/>
-        <p:txBody>
-          <a:bodyPr/>
-          <a:lstStyle/>
-          <a:p>
-            <a:r>
-              <a:rPr lang="en-US" dirty="0" smtClean="0"/>
-              <a:t>UML modeling</a:t>
-            </a:r>
-          </a:p>
-          <a:p>
-            <a:r>
-              <a:rPr lang="en-US" dirty="0" smtClean="0"/>
-              <a:t>Three-tier architecture</a:t>
-            </a:r>
-          </a:p>
-          <a:p>
-            <a:r>
-              <a:rPr lang="en-US" dirty="0" smtClean="0"/>
-              <a:t>Entity-relationship database modeling</a:t>
-            </a:r>
-          </a:p>
-          <a:p>
-            <a:r>
-              <a:rPr lang="en-US" dirty="0" smtClean="0"/>
-              <a:t>ASP.NET Web Forms framework</a:t>
-            </a:r>
-          </a:p>
-          <a:p>
-            <a:r>
-              <a:rPr lang="en-US" dirty="0" smtClean="0"/>
-              <a:t>Windows Forms framework</a:t>
-            </a:r>
-            <a:endParaRPr lang="en-US" dirty="0"/>
-          </a:p>
-        </p:txBody>
-      </p:sp>
-    </p:spTree>
-    <p:extLst>
-      <p:ext uri="{BB962C8B-B14F-4D97-AF65-F5344CB8AC3E}">
-        <p14:creationId xmlns:p14="http://schemas.microsoft.com/office/powerpoint/2010/main" val="3791688787"/>
-      </p:ext>
-    </p:extLst>
-  </p:cSld>
-  <p:clrMapOvr>
-    <a:masterClrMapping/>
-  </p:clrMapOvr>
-  <p:transition spd="slow">
-    <p:wipe dir="r"/>
-  </p:transition>
-  <p:timing>
-    <p:tnLst>
-      <p:par>
-        <p:cTn id="1" dur="indefinite" restart="never" nodeType="tmRoot"/>
-      </p:par>
-    </p:tnLst>
-  </p:timing>
-</p:sld>
-</file>
-
 <file path=ppt/slides/slide15.xml><?xml version="1.0" encoding="utf-8"?>
 <p:sld xmlns:a="http://schemas.openxmlformats.org/drawingml/2006/main" xmlns:r="http://schemas.openxmlformats.org/officeDocument/2006/relationships" xmlns:p="http://schemas.openxmlformats.org/presentationml/2006/main">
   <p:cSld>
@@ -9056,7 +9310,7 @@
       </p:grpSpPr>
       <p:sp>
         <p:nvSpPr>
-          <p:cNvPr id="4" name="Title 3"/>
+          <p:cNvPr id="2" name="Title 1"/>
           <p:cNvSpPr>
             <a:spLocks noGrp="1"/>
           </p:cNvSpPr>
@@ -9069,18 +9323,22 @@
           <a:bodyPr/>
           <a:lstStyle/>
           <a:p>
-            <a:endParaRPr lang="en-US"/>
-          </a:p>
-        </p:txBody>
-      </p:sp>
-      <p:sp>
-        <p:nvSpPr>
-          <p:cNvPr id="5" name="Text Placeholder 4"/>
+            <a:r>
+              <a:rPr lang="en-US" dirty="0"/>
+              <a:t>Summary</a:t>
+            </a:r>
+            <a:endParaRPr lang="en-US" dirty="0"/>
+          </a:p>
+        </p:txBody>
+      </p:sp>
+      <p:sp>
+        <p:nvSpPr>
+          <p:cNvPr id="4" name="Content Placeholder 2"/>
           <p:cNvSpPr>
             <a:spLocks noGrp="1"/>
           </p:cNvSpPr>
           <p:nvPr>
-            <p:ph type="body" idx="1"/>
+            <p:ph idx="1"/>
           </p:nvPr>
         </p:nvSpPr>
         <p:spPr/>
@@ -9088,14 +9346,42 @@
           <a:bodyPr/>
           <a:lstStyle/>
           <a:p>
-            <a:endParaRPr lang="en-US"/>
+            <a:r>
+              <a:rPr lang="en-US" dirty="0" smtClean="0"/>
+              <a:t>UML modeling</a:t>
+            </a:r>
+          </a:p>
+          <a:p>
+            <a:r>
+              <a:rPr lang="en-US" dirty="0" smtClean="0"/>
+              <a:t>Three-tier architecture</a:t>
+            </a:r>
+          </a:p>
+          <a:p>
+            <a:r>
+              <a:rPr lang="en-US" dirty="0" smtClean="0"/>
+              <a:t>Entity-relationship database modeling</a:t>
+            </a:r>
+          </a:p>
+          <a:p>
+            <a:r>
+              <a:rPr lang="en-US" dirty="0" smtClean="0"/>
+              <a:t>ASP.NET Web Forms framework</a:t>
+            </a:r>
+          </a:p>
+          <a:p>
+            <a:r>
+              <a:rPr lang="en-US" dirty="0" smtClean="0"/>
+              <a:t>Windows Forms framework</a:t>
+            </a:r>
+            <a:endParaRPr lang="en-US" dirty="0"/>
           </a:p>
         </p:txBody>
       </p:sp>
     </p:spTree>
     <p:extLst>
       <p:ext uri="{BB962C8B-B14F-4D97-AF65-F5344CB8AC3E}">
-        <p14:creationId xmlns:p14="http://schemas.microsoft.com/office/powerpoint/2010/main" val="297689304"/>
+        <p14:creationId xmlns:p14="http://schemas.microsoft.com/office/powerpoint/2010/main" val="3791688787"/>
       </p:ext>
     </p:extLst>
   </p:cSld>
@@ -9134,181 +9420,6 @@
       </p:grpSpPr>
       <p:sp>
         <p:nvSpPr>
-          <p:cNvPr id="2" name="Title 1"/>
-          <p:cNvSpPr>
-            <a:spLocks noGrp="1"/>
-          </p:cNvSpPr>
-          <p:nvPr>
-            <p:ph type="title"/>
-          </p:nvPr>
-        </p:nvSpPr>
-        <p:spPr/>
-        <p:txBody>
-          <a:bodyPr/>
-          <a:lstStyle/>
-          <a:p>
-            <a:endParaRPr lang="en-US"/>
-          </a:p>
-        </p:txBody>
-      </p:sp>
-      <p:sp>
-        <p:nvSpPr>
-          <p:cNvPr id="3" name="Content Placeholder 2"/>
-          <p:cNvSpPr>
-            <a:spLocks noGrp="1"/>
-          </p:cNvSpPr>
-          <p:nvPr>
-            <p:ph idx="1"/>
-          </p:nvPr>
-        </p:nvSpPr>
-        <p:spPr/>
-        <p:txBody>
-          <a:bodyPr/>
-          <a:lstStyle/>
-          <a:p>
-            <a:endParaRPr lang="en-US"/>
-          </a:p>
-        </p:txBody>
-      </p:sp>
-    </p:spTree>
-    <p:extLst>
-      <p:ext uri="{BB962C8B-B14F-4D97-AF65-F5344CB8AC3E}">
-        <p14:creationId xmlns:p14="http://schemas.microsoft.com/office/powerpoint/2010/main" val="1647268943"/>
-      </p:ext>
-    </p:extLst>
-  </p:cSld>
-  <p:clrMapOvr>
-    <a:masterClrMapping/>
-  </p:clrMapOvr>
-  <p:transition spd="slow">
-    <p:wipe dir="r"/>
-  </p:transition>
-  <p:timing>
-    <p:tnLst>
-      <p:par>
-        <p:cTn id="1" dur="indefinite" restart="never" nodeType="tmRoot"/>
-      </p:par>
-    </p:tnLst>
-  </p:timing>
-</p:sld>
-</file>
-
-<file path=ppt/slides/slide17.xml><?xml version="1.0" encoding="utf-8"?>
-<p:sld xmlns:a="http://schemas.openxmlformats.org/drawingml/2006/main" xmlns:r="http://schemas.openxmlformats.org/officeDocument/2006/relationships" xmlns:p="http://schemas.openxmlformats.org/presentationml/2006/main">
-  <p:cSld>
-    <p:spTree>
-      <p:nvGrpSpPr>
-        <p:cNvPr id="1" name=""/>
-        <p:cNvGrpSpPr/>
-        <p:nvPr/>
-      </p:nvGrpSpPr>
-      <p:grpSpPr>
-        <a:xfrm>
-          <a:off x="0" y="0"/>
-          <a:ext cx="0" cy="0"/>
-          <a:chOff x="0" y="0"/>
-          <a:chExt cx="0" cy="0"/>
-        </a:xfrm>
-      </p:grpSpPr>
-      <p:sp>
-        <p:nvSpPr>
-          <p:cNvPr id="4" name="Title 3"/>
-          <p:cNvSpPr>
-            <a:spLocks noGrp="1"/>
-          </p:cNvSpPr>
-          <p:nvPr>
-            <p:ph type="title"/>
-          </p:nvPr>
-        </p:nvSpPr>
-        <p:spPr/>
-        <p:txBody>
-          <a:bodyPr/>
-          <a:lstStyle/>
-          <a:p>
-            <a:endParaRPr lang="en-US"/>
-          </a:p>
-        </p:txBody>
-      </p:sp>
-      <p:sp>
-        <p:nvSpPr>
-          <p:cNvPr id="5" name="Content Placeholder 4"/>
-          <p:cNvSpPr>
-            <a:spLocks noGrp="1"/>
-          </p:cNvSpPr>
-          <p:nvPr>
-            <p:ph sz="half" idx="1"/>
-          </p:nvPr>
-        </p:nvSpPr>
-        <p:spPr/>
-        <p:txBody>
-          <a:bodyPr/>
-          <a:lstStyle/>
-          <a:p>
-            <a:endParaRPr lang="en-US"/>
-          </a:p>
-        </p:txBody>
-      </p:sp>
-      <p:sp>
-        <p:nvSpPr>
-          <p:cNvPr id="6" name="Content Placeholder 5"/>
-          <p:cNvSpPr>
-            <a:spLocks noGrp="1"/>
-          </p:cNvSpPr>
-          <p:nvPr>
-            <p:ph sz="half" idx="2"/>
-          </p:nvPr>
-        </p:nvSpPr>
-        <p:spPr/>
-        <p:txBody>
-          <a:bodyPr/>
-          <a:lstStyle/>
-          <a:p>
-            <a:endParaRPr lang="en-US"/>
-          </a:p>
-        </p:txBody>
-      </p:sp>
-    </p:spTree>
-    <p:extLst>
-      <p:ext uri="{BB962C8B-B14F-4D97-AF65-F5344CB8AC3E}">
-        <p14:creationId xmlns:p14="http://schemas.microsoft.com/office/powerpoint/2010/main" val="3855064406"/>
-      </p:ext>
-    </p:extLst>
-  </p:cSld>
-  <p:clrMapOvr>
-    <a:masterClrMapping/>
-  </p:clrMapOvr>
-  <p:transition spd="slow">
-    <p:wipe dir="r"/>
-  </p:transition>
-  <p:timing>
-    <p:tnLst>
-      <p:par>
-        <p:cTn id="1" dur="indefinite" restart="never" nodeType="tmRoot"/>
-      </p:par>
-    </p:tnLst>
-  </p:timing>
-</p:sld>
-</file>
-
-<file path=ppt/slides/slide18.xml><?xml version="1.0" encoding="utf-8"?>
-<p:sld xmlns:a="http://schemas.openxmlformats.org/drawingml/2006/main" xmlns:r="http://schemas.openxmlformats.org/officeDocument/2006/relationships" xmlns:p="http://schemas.openxmlformats.org/presentationml/2006/main">
-  <p:cSld>
-    <p:spTree>
-      <p:nvGrpSpPr>
-        <p:cNvPr id="1" name=""/>
-        <p:cNvGrpSpPr/>
-        <p:nvPr/>
-      </p:nvGrpSpPr>
-      <p:grpSpPr>
-        <a:xfrm>
-          <a:off x="0" y="0"/>
-          <a:ext cx="0" cy="0"/>
-          <a:chOff x="0" y="0"/>
-          <a:chExt cx="0" cy="0"/>
-        </a:xfrm>
-      </p:grpSpPr>
-      <p:sp>
-        <p:nvSpPr>
           <p:cNvPr id="31746" name="Text Box 4"/>
           <p:cNvSpPr txBox="1">
             <a:spLocks noChangeArrowheads="1"/>
@@ -9466,7 +9577,7 @@
                 </a:solidFill>
                 <a:latin typeface="Verdana" pitchFamily="34" charset="0"/>
               </a:rPr>
-              <a:t>2010 </a:t>
+              <a:t>2011 </a:t>
             </a:r>
             <a:r>
               <a:rPr lang="en-US" sz="800" dirty="0">
@@ -10278,15 +10389,35 @@
           </a:p>
         </p:txBody>
       </p:sp>
+      <p:sp>
+        <p:nvSpPr>
+          <p:cNvPr id="6" name="Content Placeholder 5"/>
+          <p:cNvSpPr>
+            <a:spLocks noGrp="1"/>
+          </p:cNvSpPr>
+          <p:nvPr>
+            <p:ph idx="1"/>
+          </p:nvPr>
+        </p:nvSpPr>
+        <p:spPr/>
+        <p:txBody>
+          <a:bodyPr/>
+          <a:lstStyle/>
+          <a:p>
+            <a:pPr marL="0" indent="0">
+              <a:buNone/>
+            </a:pPr>
+            <a:endParaRPr lang="en-US" dirty="0"/>
+          </a:p>
+        </p:txBody>
+      </p:sp>
       <p:pic>
         <p:nvPicPr>
-          <p:cNvPr id="5" name="Picture 3"/>
+          <p:cNvPr id="2050" name="Picture 2"/>
           <p:cNvPicPr>
-            <a:picLocks noGrp="1" noChangeAspect="1" noChangeArrowheads="1"/>
+            <a:picLocks noChangeAspect="1" noChangeArrowheads="1"/>
           </p:cNvPicPr>
-          <p:nvPr>
-            <p:ph idx="1"/>
-          </p:nvPr>
+          <p:nvPr/>
         </p:nvPicPr>
         <p:blipFill>
           <a:blip r:embed="rId2">
@@ -10303,8 +10434,8 @@
         </p:blipFill>
         <p:spPr bwMode="auto">
           <a:xfrm>
-            <a:off x="1381125" y="1691481"/>
-            <a:ext cx="6381750" cy="4343400"/>
+            <a:off x="990600" y="1828800"/>
+            <a:ext cx="7255042" cy="4114800"/>
           </a:xfrm>
           <a:prstGeom prst="rect">
             <a:avLst/>
@@ -10407,15 +10538,35 @@
           </a:p>
         </p:txBody>
       </p:sp>
+      <p:sp>
+        <p:nvSpPr>
+          <p:cNvPr id="4" name="Content Placeholder 3"/>
+          <p:cNvSpPr>
+            <a:spLocks noGrp="1"/>
+          </p:cNvSpPr>
+          <p:nvPr>
+            <p:ph idx="1"/>
+          </p:nvPr>
+        </p:nvSpPr>
+        <p:spPr/>
+        <p:txBody>
+          <a:bodyPr/>
+          <a:lstStyle/>
+          <a:p>
+            <a:pPr marL="0" indent="0">
+              <a:buNone/>
+            </a:pPr>
+            <a:endParaRPr lang="en-US" dirty="0"/>
+          </a:p>
+        </p:txBody>
+      </p:sp>
       <p:pic>
         <p:nvPicPr>
-          <p:cNvPr id="6" name="Picture 2"/>
+          <p:cNvPr id="3074" name="Picture 2"/>
           <p:cNvPicPr>
-            <a:picLocks noGrp="1" noChangeAspect="1" noChangeArrowheads="1"/>
+            <a:picLocks noChangeAspect="1" noChangeArrowheads="1"/>
           </p:cNvPicPr>
-          <p:nvPr>
-            <p:ph idx="1"/>
-          </p:nvPr>
+          <p:nvPr/>
         </p:nvPicPr>
         <p:blipFill>
           <a:blip r:embed="rId2">
@@ -10432,8 +10583,8 @@
         </p:blipFill>
         <p:spPr bwMode="auto">
           <a:xfrm>
-            <a:off x="1833562" y="1634331"/>
-            <a:ext cx="5476875" cy="4457700"/>
+            <a:off x="1600200" y="2209800"/>
+            <a:ext cx="5476875" cy="3238500"/>
           </a:xfrm>
           <a:prstGeom prst="rect">
             <a:avLst/>
@@ -10669,15 +10820,35 @@
           </a:p>
         </p:txBody>
       </p:sp>
+      <p:sp>
+        <p:nvSpPr>
+          <p:cNvPr id="5" name="Content Placeholder 4"/>
+          <p:cNvSpPr>
+            <a:spLocks noGrp="1"/>
+          </p:cNvSpPr>
+          <p:nvPr>
+            <p:ph idx="1"/>
+          </p:nvPr>
+        </p:nvSpPr>
+        <p:spPr/>
+        <p:txBody>
+          <a:bodyPr/>
+          <a:lstStyle/>
+          <a:p>
+            <a:pPr marL="0" indent="0">
+              <a:buNone/>
+            </a:pPr>
+            <a:endParaRPr lang="en-US" dirty="0"/>
+          </a:p>
+        </p:txBody>
+      </p:sp>
       <p:pic>
         <p:nvPicPr>
-          <p:cNvPr id="4" name="Picture 2"/>
+          <p:cNvPr id="6146" name="Picture 2"/>
           <p:cNvPicPr>
-            <a:picLocks noGrp="1" noChangeAspect="1" noChangeArrowheads="1"/>
+            <a:picLocks noChangeAspect="1" noChangeArrowheads="1"/>
           </p:cNvPicPr>
-          <p:nvPr>
-            <p:ph idx="1"/>
-          </p:nvPr>
+          <p:nvPr/>
         </p:nvPicPr>
         <p:blipFill>
           <a:blip r:embed="rId2">
@@ -10694,8 +10865,8 @@
         </p:blipFill>
         <p:spPr bwMode="auto">
           <a:xfrm>
-            <a:off x="1387437" y="2401723"/>
-            <a:ext cx="6369125" cy="2922917"/>
+            <a:off x="1676400" y="2438400"/>
+            <a:ext cx="6145389" cy="2552700"/>
           </a:xfrm>
           <a:prstGeom prst="rect">
             <a:avLst/>
@@ -10804,7 +10975,7 @@
       </p:sp>
       <p:pic>
         <p:nvPicPr>
-          <p:cNvPr id="4" name="Picture 2"/>
+          <p:cNvPr id="4098" name="Picture 2"/>
           <p:cNvPicPr>
             <a:picLocks noGrp="1" noChangeAspect="1" noChangeArrowheads="1"/>
           </p:cNvPicPr>
@@ -10827,8 +10998,8 @@
         </p:blipFill>
         <p:spPr bwMode="auto">
           <a:xfrm>
-            <a:off x="2142343" y="1988702"/>
-            <a:ext cx="4859313" cy="3748959"/>
+            <a:off x="1697553" y="1600200"/>
+            <a:ext cx="5748893" cy="4525963"/>
           </a:xfrm>
           <a:prstGeom prst="rect">
             <a:avLst/>
@@ -10935,15 +11106,35 @@
           </a:p>
         </p:txBody>
       </p:sp>
+      <p:sp>
+        <p:nvSpPr>
+          <p:cNvPr id="5" name="Content Placeholder 4"/>
+          <p:cNvSpPr>
+            <a:spLocks noGrp="1"/>
+          </p:cNvSpPr>
+          <p:nvPr>
+            <p:ph idx="1"/>
+          </p:nvPr>
+        </p:nvSpPr>
+        <p:spPr/>
+        <p:txBody>
+          <a:bodyPr/>
+          <a:lstStyle/>
+          <a:p>
+            <a:pPr marL="0" indent="0">
+              <a:buNone/>
+            </a:pPr>
+            <a:endParaRPr lang="en-US" dirty="0"/>
+          </a:p>
+        </p:txBody>
+      </p:sp>
       <p:pic>
         <p:nvPicPr>
-          <p:cNvPr id="4" name="Content Placeholder 3"/>
+          <p:cNvPr id="5122" name="Picture 2"/>
           <p:cNvPicPr>
-            <a:picLocks noGrp="1" noChangeAspect="1" noChangeArrowheads="1"/>
+            <a:picLocks noChangeAspect="1" noChangeArrowheads="1"/>
           </p:cNvPicPr>
-          <p:nvPr>
-            <p:ph idx="1"/>
-          </p:nvPr>
+          <p:nvPr/>
         </p:nvPicPr>
         <p:blipFill>
           <a:blip r:embed="rId2">
@@ -10960,8 +11151,8 @@
         </p:blipFill>
         <p:spPr bwMode="auto">
           <a:xfrm>
-            <a:off x="1489582" y="1600200"/>
-            <a:ext cx="6164835" cy="4525963"/>
+            <a:off x="2133600" y="1752600"/>
+            <a:ext cx="5000625" cy="4162425"/>
           </a:xfrm>
           <a:prstGeom prst="rect">
             <a:avLst/>
